--- a/AL2024_1S_Didactica/Strang CH 01-WE-S01-S02-S03.pptx
+++ b/AL2024_1S_Didactica/Strang CH 01-WE-S01-S02-S03.pptx
@@ -5,7 +5,7 @@
     <p:sldMasterId id="2147483659" r:id="rId1"/>
   </p:sldMasterIdLst>
   <p:notesMasterIdLst>
-    <p:notesMasterId r:id="rId24"/>
+    <p:notesMasterId r:id="rId27"/>
   </p:notesMasterIdLst>
   <p:sldIdLst>
     <p:sldId id="256" r:id="rId2"/>
@@ -29,30 +29,26 @@
     <p:sldId id="275" r:id="rId20"/>
     <p:sldId id="276" r:id="rId21"/>
     <p:sldId id="277" r:id="rId22"/>
-    <p:sldId id="264" r:id="rId23"/>
+    <p:sldId id="278" r:id="rId23"/>
+    <p:sldId id="279" r:id="rId24"/>
+    <p:sldId id="280" r:id="rId25"/>
+    <p:sldId id="264" r:id="rId26"/>
   </p:sldIdLst>
   <p:sldSz cx="9144000" cy="6858000" type="screen4x3"/>
   <p:notesSz cx="6858000" cy="9144000"/>
   <p:embeddedFontLst>
     <p:embeddedFont>
-      <p:font typeface="Calibri" panose="020F0502020204030204" pitchFamily="34" charset="0"/>
-      <p:regular r:id="rId25"/>
-      <p:bold r:id="rId26"/>
-      <p:italic r:id="rId27"/>
-      <p:boldItalic r:id="rId28"/>
+      <p:font typeface="Libre Baskerville" panose="02000000000000000000" pitchFamily="2" charset="0"/>
+      <p:regular r:id="rId28"/>
+      <p:bold r:id="rId29"/>
+      <p:italic r:id="rId30"/>
     </p:embeddedFont>
     <p:embeddedFont>
-      <p:font typeface="Libre Baskerville" panose="02000000000000000000" pitchFamily="2" charset="0"/>
-      <p:regular r:id="rId29"/>
-      <p:bold r:id="rId30"/>
-      <p:italic r:id="rId31"/>
-    </p:embeddedFont>
-    <p:embeddedFont>
-      <p:font typeface="Libre Franklin" pitchFamily="2" charset="0"/>
-      <p:regular r:id="rId32"/>
-      <p:bold r:id="rId33"/>
-      <p:italic r:id="rId34"/>
-      <p:boldItalic r:id="rId35"/>
+      <p:font typeface="Libre Franklin" pitchFamily="2" charset="77"/>
+      <p:regular r:id="rId31"/>
+      <p:bold r:id="rId32"/>
+      <p:italic r:id="rId33"/>
+      <p:boldItalic r:id="rId34"/>
     </p:embeddedFont>
   </p:embeddedFontLst>
   <p:defaultTextStyle>
@@ -3273,6 +3269,397 @@
 </file>
 
 <file path=ppt/notesSlides/notesSlide22.xml><?xml version="1.0" encoding="utf-8"?>
+<p:notes xmlns:a="http://schemas.openxmlformats.org/drawingml/2006/main" xmlns:r="http://schemas.openxmlformats.org/officeDocument/2006/relationships" xmlns:p="http://schemas.openxmlformats.org/presentationml/2006/main" showMasterSp="0" showMasterPhAnim="0">
+  <p:cSld>
+    <p:spTree>
+      <p:nvGrpSpPr>
+        <p:cNvPr id="1" name="Shape 100"/>
+        <p:cNvGrpSpPr/>
+        <p:nvPr/>
+      </p:nvGrpSpPr>
+      <p:grpSpPr>
+        <a:xfrm>
+          <a:off x="0" y="0"/>
+          <a:ext cx="0" cy="0"/>
+          <a:chOff x="0" y="0"/>
+          <a:chExt cx="0" cy="0"/>
+        </a:xfrm>
+      </p:grpSpPr>
+      <p:sp>
+        <p:nvSpPr>
+          <p:cNvPr id="101" name="Google Shape;101;p1:notes"/>
+          <p:cNvSpPr txBox="1">
+            <a:spLocks noGrp="1"/>
+          </p:cNvSpPr>
+          <p:nvPr>
+            <p:ph type="body" idx="1"/>
+          </p:nvPr>
+        </p:nvSpPr>
+        <p:spPr>
+          <a:xfrm>
+            <a:off x="685800" y="4400550"/>
+            <a:ext cx="5486400" cy="3600450"/>
+          </a:xfrm>
+          <a:prstGeom prst="rect">
+            <a:avLst/>
+          </a:prstGeom>
+        </p:spPr>
+        <p:txBody>
+          <a:bodyPr spcFirstLastPara="1" wrap="square" lIns="91425" tIns="45700" rIns="91425" bIns="45700" anchor="t" anchorCtr="0">
+            <a:noAutofit/>
+          </a:bodyPr>
+          <a:lstStyle/>
+          <a:p>
+            <a:pPr marL="0" lvl="0" indent="0" algn="l" rtl="0">
+              <a:spcBef>
+                <a:spcPts val="0"/>
+              </a:spcBef>
+              <a:spcAft>
+                <a:spcPts val="0"/>
+              </a:spcAft>
+              <a:buNone/>
+            </a:pPr>
+            <a:endParaRPr/>
+          </a:p>
+        </p:txBody>
+      </p:sp>
+      <p:sp>
+        <p:nvSpPr>
+          <p:cNvPr id="102" name="Google Shape;102;p1:notes"/>
+          <p:cNvSpPr>
+            <a:spLocks noGrp="1" noRot="1" noChangeAspect="1"/>
+          </p:cNvSpPr>
+          <p:nvPr>
+            <p:ph type="sldImg" idx="2"/>
+          </p:nvPr>
+        </p:nvSpPr>
+        <p:spPr>
+          <a:xfrm>
+            <a:off x="1371600" y="1143000"/>
+            <a:ext cx="4114800" cy="3086100"/>
+          </a:xfrm>
+          <a:custGeom>
+            <a:avLst/>
+            <a:gdLst/>
+            <a:ahLst/>
+            <a:cxnLst/>
+            <a:rect l="l" t="t" r="r" b="b"/>
+            <a:pathLst>
+              <a:path w="120000" h="120000" extrusionOk="0">
+                <a:moveTo>
+                  <a:pt x="0" y="0"/>
+                </a:moveTo>
+                <a:lnTo>
+                  <a:pt x="120000" y="0"/>
+                </a:lnTo>
+                <a:lnTo>
+                  <a:pt x="120000" y="120000"/>
+                </a:lnTo>
+                <a:lnTo>
+                  <a:pt x="0" y="120000"/>
+                </a:lnTo>
+                <a:close/>
+              </a:path>
+            </a:pathLst>
+          </a:custGeom>
+        </p:spPr>
+      </p:sp>
+    </p:spTree>
+    <p:extLst>
+      <p:ext uri="{BB962C8B-B14F-4D97-AF65-F5344CB8AC3E}">
+        <p14:creationId xmlns:p14="http://schemas.microsoft.com/office/powerpoint/2010/main" val="866003807"/>
+      </p:ext>
+    </p:extLst>
+  </p:cSld>
+  <p:clrMapOvr>
+    <a:masterClrMapping/>
+  </p:clrMapOvr>
+</p:notes>
+</file>
+
+<file path=ppt/notesSlides/notesSlide23.xml><?xml version="1.0" encoding="utf-8"?>
+<p:notes xmlns:a="http://schemas.openxmlformats.org/drawingml/2006/main" xmlns:r="http://schemas.openxmlformats.org/officeDocument/2006/relationships" xmlns:p="http://schemas.openxmlformats.org/presentationml/2006/main" showMasterSp="0" showMasterPhAnim="0">
+  <p:cSld>
+    <p:spTree>
+      <p:nvGrpSpPr>
+        <p:cNvPr id="1" name="Shape 110"/>
+        <p:cNvGrpSpPr/>
+        <p:nvPr/>
+      </p:nvGrpSpPr>
+      <p:grpSpPr>
+        <a:xfrm>
+          <a:off x="0" y="0"/>
+          <a:ext cx="0" cy="0"/>
+          <a:chOff x="0" y="0"/>
+          <a:chExt cx="0" cy="0"/>
+        </a:xfrm>
+      </p:grpSpPr>
+      <p:sp>
+        <p:nvSpPr>
+          <p:cNvPr id="111" name="Google Shape;111;p2:notes"/>
+          <p:cNvSpPr txBox="1">
+            <a:spLocks noGrp="1"/>
+          </p:cNvSpPr>
+          <p:nvPr>
+            <p:ph type="body" idx="1"/>
+          </p:nvPr>
+        </p:nvSpPr>
+        <p:spPr>
+          <a:xfrm>
+            <a:off x="685800" y="4400550"/>
+            <a:ext cx="5486400" cy="3600450"/>
+          </a:xfrm>
+          <a:prstGeom prst="rect">
+            <a:avLst/>
+          </a:prstGeom>
+        </p:spPr>
+        <p:txBody>
+          <a:bodyPr spcFirstLastPara="1" wrap="square" lIns="91425" tIns="45700" rIns="91425" bIns="45700" anchor="t" anchorCtr="0">
+            <a:noAutofit/>
+          </a:bodyPr>
+          <a:lstStyle/>
+          <a:p>
+            <a:pPr marL="0" lvl="0" indent="0" algn="l" rtl="0">
+              <a:spcBef>
+                <a:spcPts val="0"/>
+              </a:spcBef>
+              <a:spcAft>
+                <a:spcPts val="0"/>
+              </a:spcAft>
+              <a:buNone/>
+            </a:pPr>
+            <a:endParaRPr/>
+          </a:p>
+        </p:txBody>
+      </p:sp>
+      <p:sp>
+        <p:nvSpPr>
+          <p:cNvPr id="112" name="Google Shape;112;p2:notes"/>
+          <p:cNvSpPr>
+            <a:spLocks noGrp="1" noRot="1" noChangeAspect="1"/>
+          </p:cNvSpPr>
+          <p:nvPr>
+            <p:ph type="sldImg" idx="2"/>
+          </p:nvPr>
+        </p:nvSpPr>
+        <p:spPr>
+          <a:xfrm>
+            <a:off x="1371600" y="1143000"/>
+            <a:ext cx="4114800" cy="3086100"/>
+          </a:xfrm>
+          <a:custGeom>
+            <a:avLst/>
+            <a:gdLst/>
+            <a:ahLst/>
+            <a:cxnLst/>
+            <a:rect l="l" t="t" r="r" b="b"/>
+            <a:pathLst>
+              <a:path w="120000" h="120000" extrusionOk="0">
+                <a:moveTo>
+                  <a:pt x="0" y="0"/>
+                </a:moveTo>
+                <a:lnTo>
+                  <a:pt x="120000" y="0"/>
+                </a:lnTo>
+                <a:lnTo>
+                  <a:pt x="120000" y="120000"/>
+                </a:lnTo>
+                <a:lnTo>
+                  <a:pt x="0" y="120000"/>
+                </a:lnTo>
+                <a:close/>
+              </a:path>
+            </a:pathLst>
+          </a:custGeom>
+        </p:spPr>
+      </p:sp>
+    </p:spTree>
+    <p:extLst>
+      <p:ext uri="{BB962C8B-B14F-4D97-AF65-F5344CB8AC3E}">
+        <p14:creationId xmlns:p14="http://schemas.microsoft.com/office/powerpoint/2010/main" val="1782301538"/>
+      </p:ext>
+    </p:extLst>
+  </p:cSld>
+  <p:clrMapOvr>
+    <a:masterClrMapping/>
+  </p:clrMapOvr>
+</p:notes>
+</file>
+
+<file path=ppt/notesSlides/notesSlide24.xml><?xml version="1.0" encoding="utf-8"?>
+<p:notes xmlns:a="http://schemas.openxmlformats.org/drawingml/2006/main" xmlns:r="http://schemas.openxmlformats.org/officeDocument/2006/relationships" xmlns:p="http://schemas.openxmlformats.org/presentationml/2006/main" showMasterSp="0" showMasterPhAnim="0">
+  <p:cSld>
+    <p:spTree>
+      <p:nvGrpSpPr>
+        <p:cNvPr id="1" name="Shape 254"/>
+        <p:cNvGrpSpPr/>
+        <p:nvPr/>
+      </p:nvGrpSpPr>
+      <p:grpSpPr>
+        <a:xfrm>
+          <a:off x="0" y="0"/>
+          <a:ext cx="0" cy="0"/>
+          <a:chOff x="0" y="0"/>
+          <a:chExt cx="0" cy="0"/>
+        </a:xfrm>
+      </p:grpSpPr>
+      <p:sp>
+        <p:nvSpPr>
+          <p:cNvPr id="255" name="Google Shape;255;p8:notes"/>
+          <p:cNvSpPr>
+            <a:spLocks noGrp="1" noRot="1" noChangeAspect="1"/>
+          </p:cNvSpPr>
+          <p:nvPr>
+            <p:ph type="sldImg" idx="2"/>
+          </p:nvPr>
+        </p:nvSpPr>
+        <p:spPr>
+          <a:xfrm>
+            <a:off x="1371600" y="1143000"/>
+            <a:ext cx="4114800" cy="3086100"/>
+          </a:xfrm>
+          <a:custGeom>
+            <a:avLst/>
+            <a:gdLst/>
+            <a:ahLst/>
+            <a:cxnLst/>
+            <a:rect l="l" t="t" r="r" b="b"/>
+            <a:pathLst>
+              <a:path w="120000" h="120000" extrusionOk="0">
+                <a:moveTo>
+                  <a:pt x="0" y="0"/>
+                </a:moveTo>
+                <a:lnTo>
+                  <a:pt x="120000" y="0"/>
+                </a:lnTo>
+                <a:lnTo>
+                  <a:pt x="120000" y="120000"/>
+                </a:lnTo>
+                <a:lnTo>
+                  <a:pt x="0" y="120000"/>
+                </a:lnTo>
+                <a:close/>
+              </a:path>
+            </a:pathLst>
+          </a:custGeom>
+          <a:noFill/>
+          <a:ln w="12700" cap="flat" cmpd="sng">
+            <a:solidFill>
+              <a:srgbClr val="000000"/>
+            </a:solidFill>
+            <a:prstDash val="solid"/>
+            <a:round/>
+            <a:headEnd type="none" w="sm" len="sm"/>
+            <a:tailEnd type="none" w="sm" len="sm"/>
+          </a:ln>
+        </p:spPr>
+      </p:sp>
+      <p:sp>
+        <p:nvSpPr>
+          <p:cNvPr id="256" name="Google Shape;256;p8:notes"/>
+          <p:cNvSpPr txBox="1">
+            <a:spLocks noGrp="1"/>
+          </p:cNvSpPr>
+          <p:nvPr>
+            <p:ph type="body" idx="1"/>
+          </p:nvPr>
+        </p:nvSpPr>
+        <p:spPr>
+          <a:xfrm>
+            <a:off x="685800" y="4400550"/>
+            <a:ext cx="5486400" cy="3600450"/>
+          </a:xfrm>
+          <a:prstGeom prst="rect">
+            <a:avLst/>
+          </a:prstGeom>
+          <a:noFill/>
+          <a:ln>
+            <a:noFill/>
+          </a:ln>
+        </p:spPr>
+        <p:txBody>
+          <a:bodyPr spcFirstLastPara="1" wrap="square" lIns="91425" tIns="45700" rIns="91425" bIns="45700" anchor="t" anchorCtr="0">
+            <a:noAutofit/>
+          </a:bodyPr>
+          <a:lstStyle/>
+          <a:p>
+            <a:pPr marL="0" lvl="0" indent="0" algn="l" rtl="0">
+              <a:spcBef>
+                <a:spcPts val="0"/>
+              </a:spcBef>
+              <a:spcAft>
+                <a:spcPts val="0"/>
+              </a:spcAft>
+              <a:buNone/>
+            </a:pPr>
+            <a:r>
+              <a:rPr lang="es-PY"/>
+              <a:t>Graficos realizados en geogebra, cambiar a tickz</a:t>
+            </a:r>
+            <a:endParaRPr/>
+          </a:p>
+        </p:txBody>
+      </p:sp>
+      <p:sp>
+        <p:nvSpPr>
+          <p:cNvPr id="257" name="Google Shape;257;p8:notes"/>
+          <p:cNvSpPr txBox="1">
+            <a:spLocks noGrp="1"/>
+          </p:cNvSpPr>
+          <p:nvPr>
+            <p:ph type="sldNum" idx="12"/>
+          </p:nvPr>
+        </p:nvSpPr>
+        <p:spPr>
+          <a:xfrm>
+            <a:off x="3884613" y="8685213"/>
+            <a:ext cx="2971800" cy="458787"/>
+          </a:xfrm>
+          <a:prstGeom prst="rect">
+            <a:avLst/>
+          </a:prstGeom>
+          <a:noFill/>
+          <a:ln>
+            <a:noFill/>
+          </a:ln>
+        </p:spPr>
+        <p:txBody>
+          <a:bodyPr spcFirstLastPara="1" wrap="square" lIns="91425" tIns="45700" rIns="91425" bIns="45700" anchor="b" anchorCtr="0">
+            <a:noAutofit/>
+          </a:bodyPr>
+          <a:lstStyle/>
+          <a:p>
+            <a:pPr marL="0" lvl="0" indent="0" algn="r" rtl="0">
+              <a:spcBef>
+                <a:spcPts val="0"/>
+              </a:spcBef>
+              <a:spcAft>
+                <a:spcPts val="0"/>
+              </a:spcAft>
+              <a:buNone/>
+            </a:pPr>
+            <a:fld id="{00000000-1234-1234-1234-123412341234}" type="slidenum">
+              <a:rPr lang="es-PY"/>
+              <a:t>24</a:t>
+            </a:fld>
+            <a:endParaRPr/>
+          </a:p>
+        </p:txBody>
+      </p:sp>
+    </p:spTree>
+    <p:extLst>
+      <p:ext uri="{BB962C8B-B14F-4D97-AF65-F5344CB8AC3E}">
+        <p14:creationId xmlns:p14="http://schemas.microsoft.com/office/powerpoint/2010/main" val="1498911473"/>
+      </p:ext>
+    </p:extLst>
+  </p:cSld>
+  <p:clrMapOvr>
+    <a:masterClrMapping/>
+  </p:clrMapOvr>
+</p:notes>
+</file>
+
+<file path=ppt/notesSlides/notesSlide25.xml><?xml version="1.0" encoding="utf-8"?>
 <p:notes xmlns:a="http://schemas.openxmlformats.org/drawingml/2006/main" xmlns:r="http://schemas.openxmlformats.org/officeDocument/2006/relationships" xmlns:p="http://schemas.openxmlformats.org/presentationml/2006/main" showMasterSp="0" showMasterPhAnim="0">
   <p:cSld>
     <p:spTree>
@@ -17346,6 +17733,736 @@
   <p:cSld>
     <p:spTree>
       <p:nvGrpSpPr>
+        <p:cNvPr id="1" name="Shape 103"/>
+        <p:cNvGrpSpPr/>
+        <p:nvPr/>
+      </p:nvGrpSpPr>
+      <p:grpSpPr>
+        <a:xfrm>
+          <a:off x="0" y="0"/>
+          <a:ext cx="0" cy="0"/>
+          <a:chOff x="0" y="0"/>
+          <a:chExt cx="0" cy="0"/>
+        </a:xfrm>
+      </p:grpSpPr>
+      <p:sp>
+        <p:nvSpPr>
+          <p:cNvPr id="104" name="Google Shape;104;p13"/>
+          <p:cNvSpPr txBox="1">
+            <a:spLocks noGrp="1"/>
+          </p:cNvSpPr>
+          <p:nvPr>
+            <p:ph type="ctrTitle"/>
+          </p:nvPr>
+        </p:nvSpPr>
+        <p:spPr>
+          <a:xfrm>
+            <a:off x="457200" y="1505930"/>
+            <a:ext cx="8229600" cy="1470025"/>
+          </a:xfrm>
+          <a:prstGeom prst="rect">
+            <a:avLst/>
+          </a:prstGeom>
+          <a:noFill/>
+          <a:ln>
+            <a:noFill/>
+          </a:ln>
+        </p:spPr>
+        <p:txBody>
+          <a:bodyPr spcFirstLastPara="1" wrap="square" lIns="91425" tIns="45700" rIns="91425" bIns="91425" anchor="ctr" anchorCtr="0">
+            <a:normAutofit fontScale="90000"/>
+          </a:bodyPr>
+          <a:lstStyle/>
+          <a:p>
+            <a:pPr marL="0" lvl="0" indent="0" algn="ctr" rtl="0">
+              <a:spcBef>
+                <a:spcPts val="0"/>
+              </a:spcBef>
+              <a:spcAft>
+                <a:spcPts val="0"/>
+              </a:spcAft>
+              <a:buClr>
+                <a:srgbClr val="FFFFFF"/>
+              </a:buClr>
+              <a:buSzPts val="4000"/>
+              <a:buFont typeface="Libre Franklin"/>
+              <a:buNone/>
+            </a:pPr>
+            <a:r>
+              <a:rPr lang="es-PY" dirty="0">
+                <a:latin typeface="Times New Roman" panose="02020603050405020304" pitchFamily="18" charset="0"/>
+                <a:cs typeface="Times New Roman" panose="02020603050405020304" pitchFamily="18" charset="0"/>
+              </a:rPr>
+              <a:t>CH 2 – Sistemas de Ecuaciones Lineales</a:t>
+            </a:r>
+            <a:br>
+              <a:rPr lang="es-PY" dirty="0">
+                <a:latin typeface="Times New Roman" panose="02020603050405020304" pitchFamily="18" charset="0"/>
+                <a:cs typeface="Times New Roman" panose="02020603050405020304" pitchFamily="18" charset="0"/>
+              </a:rPr>
+            </a:br>
+            <a:r>
+              <a:rPr lang="es-PY" dirty="0">
+                <a:latin typeface="Times New Roman" panose="02020603050405020304" pitchFamily="18" charset="0"/>
+                <a:cs typeface="Times New Roman" panose="02020603050405020304" pitchFamily="18" charset="0"/>
+              </a:rPr>
+              <a:t>2.4 Aplicaciones –Análisis de redes</a:t>
+            </a:r>
+            <a:endParaRPr dirty="0">
+              <a:latin typeface="Times New Roman" panose="02020603050405020304" pitchFamily="18" charset="0"/>
+              <a:cs typeface="Times New Roman" panose="02020603050405020304" pitchFamily="18" charset="0"/>
+            </a:endParaRPr>
+          </a:p>
+        </p:txBody>
+      </p:sp>
+      <p:pic>
+        <p:nvPicPr>
+          <p:cNvPr id="105" name="Google Shape;105;p13" descr="http://www.ucap.edu.py/templates/ja_university/themes/blue/images/logo.png"/>
+          <p:cNvPicPr preferRelativeResize="0"/>
+          <p:nvPr/>
+        </p:nvPicPr>
+        <p:blipFill rotWithShape="1">
+          <a:blip r:embed="rId3">
+            <a:alphaModFix/>
+          </a:blip>
+          <a:srcRect/>
+          <a:stretch/>
+        </p:blipFill>
+        <p:spPr>
+          <a:xfrm>
+            <a:off x="3929058" y="285728"/>
+            <a:ext cx="3600450" cy="1152526"/>
+          </a:xfrm>
+          <a:prstGeom prst="rect">
+            <a:avLst/>
+          </a:prstGeom>
+          <a:noFill/>
+          <a:ln>
+            <a:noFill/>
+          </a:ln>
+        </p:spPr>
+      </p:pic>
+      <p:sp>
+        <p:nvSpPr>
+          <p:cNvPr id="106" name="Google Shape;106;p13"/>
+          <p:cNvSpPr/>
+          <p:nvPr/>
+        </p:nvSpPr>
+        <p:spPr>
+          <a:xfrm>
+            <a:off x="3408893" y="3723301"/>
+            <a:ext cx="3756271" cy="646331"/>
+          </a:xfrm>
+          <a:prstGeom prst="rect">
+            <a:avLst/>
+          </a:prstGeom>
+          <a:noFill/>
+          <a:ln>
+            <a:noFill/>
+          </a:ln>
+        </p:spPr>
+        <p:txBody>
+          <a:bodyPr spcFirstLastPara="1" wrap="square" lIns="91425" tIns="45700" rIns="91425" bIns="45700" anchor="t" anchorCtr="0">
+            <a:noAutofit/>
+          </a:bodyPr>
+          <a:lstStyle/>
+          <a:p>
+            <a:pPr marL="0" marR="0" lvl="0" indent="0" algn="l" rtl="0">
+              <a:spcBef>
+                <a:spcPts val="0"/>
+              </a:spcBef>
+              <a:spcAft>
+                <a:spcPts val="0"/>
+              </a:spcAft>
+              <a:buNone/>
+            </a:pPr>
+            <a:r>
+              <a:rPr lang="es-PY" sz="1800" b="0" i="0" u="none" strike="noStrike" cap="none" dirty="0">
+                <a:solidFill>
+                  <a:schemeClr val="dk1"/>
+                </a:solidFill>
+                <a:latin typeface="Times New Roman" panose="02020603050405020304" pitchFamily="18" charset="0"/>
+                <a:ea typeface="Libre Baskerville"/>
+                <a:cs typeface="Times New Roman" panose="02020603050405020304" pitchFamily="18" charset="0"/>
+                <a:sym typeface="Libre Baskerville"/>
+              </a:rPr>
+              <a:t>Ariel Guerrero  Mat. 37877</a:t>
+            </a:r>
+            <a:endParaRPr dirty="0">
+              <a:latin typeface="Times New Roman" panose="02020603050405020304" pitchFamily="18" charset="0"/>
+              <a:cs typeface="Times New Roman" panose="02020603050405020304" pitchFamily="18" charset="0"/>
+            </a:endParaRPr>
+          </a:p>
+          <a:p>
+            <a:pPr marL="0" marR="0" lvl="0" indent="0" algn="l" rtl="0">
+              <a:spcBef>
+                <a:spcPts val="0"/>
+              </a:spcBef>
+              <a:spcAft>
+                <a:spcPts val="0"/>
+              </a:spcAft>
+              <a:buNone/>
+            </a:pPr>
+            <a:r>
+              <a:rPr lang="es-PY" sz="1800" dirty="0">
+                <a:solidFill>
+                  <a:schemeClr val="dk1"/>
+                </a:solidFill>
+                <a:latin typeface="Times New Roman" panose="02020603050405020304" pitchFamily="18" charset="0"/>
+                <a:ea typeface="Libre Baskerville"/>
+                <a:cs typeface="Times New Roman" panose="02020603050405020304" pitchFamily="18" charset="0"/>
+                <a:sym typeface="Libre Baskerville"/>
+              </a:rPr>
+              <a:t>ariel.guerrero@uc.edu.py</a:t>
+            </a:r>
+            <a:endParaRPr sz="1800" dirty="0">
+              <a:solidFill>
+                <a:schemeClr val="dk1"/>
+              </a:solidFill>
+              <a:latin typeface="Times New Roman" panose="02020603050405020304" pitchFamily="18" charset="0"/>
+              <a:ea typeface="Libre Baskerville"/>
+              <a:cs typeface="Times New Roman" panose="02020603050405020304" pitchFamily="18" charset="0"/>
+              <a:sym typeface="Libre Baskerville"/>
+            </a:endParaRPr>
+          </a:p>
+        </p:txBody>
+      </p:sp>
+      <p:pic>
+        <p:nvPicPr>
+          <p:cNvPr id="107" name="Google Shape;107;p13">
+            <a:hlinkClick r:id="rId4"/>
+          </p:cNvPr>
+          <p:cNvPicPr preferRelativeResize="0"/>
+          <p:nvPr/>
+        </p:nvPicPr>
+        <p:blipFill rotWithShape="1">
+          <a:blip r:embed="rId5">
+            <a:alphaModFix/>
+          </a:blip>
+          <a:srcRect/>
+          <a:stretch/>
+        </p:blipFill>
+        <p:spPr>
+          <a:xfrm>
+            <a:off x="4272766" y="6153172"/>
+            <a:ext cx="800100" cy="279400"/>
+          </a:xfrm>
+          <a:prstGeom prst="rect">
+            <a:avLst/>
+          </a:prstGeom>
+          <a:noFill/>
+          <a:ln>
+            <a:noFill/>
+          </a:ln>
+        </p:spPr>
+      </p:pic>
+      <p:sp>
+        <p:nvSpPr>
+          <p:cNvPr id="108" name="Google Shape;108;p13"/>
+          <p:cNvSpPr/>
+          <p:nvPr/>
+        </p:nvSpPr>
+        <p:spPr>
+          <a:xfrm>
+            <a:off x="1642782" y="6432572"/>
+            <a:ext cx="6060069" cy="279400"/>
+          </a:xfrm>
+          <a:prstGeom prst="rect">
+            <a:avLst/>
+          </a:prstGeom>
+          <a:noFill/>
+          <a:ln>
+            <a:noFill/>
+          </a:ln>
+        </p:spPr>
+        <p:txBody>
+          <a:bodyPr spcFirstLastPara="1" wrap="square" lIns="91425" tIns="45700" rIns="91425" bIns="45700" anchor="t" anchorCtr="0">
+            <a:noAutofit/>
+          </a:bodyPr>
+          <a:lstStyle/>
+          <a:p>
+            <a:pPr marL="0" marR="0" lvl="0" indent="0" algn="ctr" rtl="0">
+              <a:spcBef>
+                <a:spcPts val="0"/>
+              </a:spcBef>
+              <a:spcAft>
+                <a:spcPts val="0"/>
+              </a:spcAft>
+              <a:buNone/>
+            </a:pPr>
+            <a:r>
+              <a:rPr lang="es-PY" dirty="0" err="1">
+                <a:solidFill>
+                  <a:schemeClr val="dk1"/>
+                </a:solidFill>
+                <a:latin typeface="Times New Roman" panose="02020603050405020304" pitchFamily="18" charset="0"/>
+                <a:ea typeface="Libre Baskerville"/>
+                <a:cs typeface="Times New Roman" panose="02020603050405020304" pitchFamily="18" charset="0"/>
+                <a:sym typeface="Libre Baskerville"/>
+              </a:rPr>
+              <a:t>Attribution-NonCommercial-ShareAlike</a:t>
+            </a:r>
+            <a:r>
+              <a:rPr lang="es-PY" dirty="0">
+                <a:solidFill>
+                  <a:schemeClr val="dk1"/>
+                </a:solidFill>
+                <a:latin typeface="Times New Roman" panose="02020603050405020304" pitchFamily="18" charset="0"/>
+                <a:ea typeface="Libre Baskerville"/>
+                <a:cs typeface="Times New Roman" panose="02020603050405020304" pitchFamily="18" charset="0"/>
+                <a:sym typeface="Libre Baskerville"/>
+              </a:rPr>
+              <a:t> 4.0 International (CC BY-NC-SA 4.0)</a:t>
+            </a:r>
+            <a:endParaRPr dirty="0">
+              <a:latin typeface="Times New Roman" panose="02020603050405020304" pitchFamily="18" charset="0"/>
+              <a:cs typeface="Times New Roman" panose="02020603050405020304" pitchFamily="18" charset="0"/>
+            </a:endParaRPr>
+          </a:p>
+        </p:txBody>
+      </p:sp>
+      <p:sp>
+        <p:nvSpPr>
+          <p:cNvPr id="109" name="Google Shape;109;p13"/>
+          <p:cNvSpPr txBox="1"/>
+          <p:nvPr/>
+        </p:nvSpPr>
+        <p:spPr>
+          <a:xfrm>
+            <a:off x="4048562" y="4369632"/>
+            <a:ext cx="1267510" cy="369332"/>
+          </a:xfrm>
+          <a:prstGeom prst="rect">
+            <a:avLst/>
+          </a:prstGeom>
+          <a:noFill/>
+          <a:ln>
+            <a:noFill/>
+          </a:ln>
+        </p:spPr>
+        <p:txBody>
+          <a:bodyPr spcFirstLastPara="1" wrap="square" lIns="91425" tIns="45700" rIns="91425" bIns="45700" anchor="t" anchorCtr="0">
+            <a:spAutoFit/>
+          </a:bodyPr>
+          <a:lstStyle/>
+          <a:p>
+            <a:pPr marL="0" marR="0" lvl="0" indent="0" algn="l" rtl="0">
+              <a:spcBef>
+                <a:spcPts val="0"/>
+              </a:spcBef>
+              <a:spcAft>
+                <a:spcPts val="0"/>
+              </a:spcAft>
+              <a:buNone/>
+            </a:pPr>
+            <a:r>
+              <a:rPr lang="es-PY" sz="1800" dirty="0">
+                <a:solidFill>
+                  <a:schemeClr val="dk1"/>
+                </a:solidFill>
+                <a:latin typeface="Times New Roman" panose="02020603050405020304" pitchFamily="18" charset="0"/>
+                <a:ea typeface="Libre Baskerville"/>
+                <a:cs typeface="Times New Roman" panose="02020603050405020304" pitchFamily="18" charset="0"/>
+                <a:sym typeface="Libre Baskerville"/>
+              </a:rPr>
+              <a:t>20/03/2024</a:t>
+            </a:r>
+            <a:endParaRPr dirty="0">
+              <a:latin typeface="Times New Roman" panose="02020603050405020304" pitchFamily="18" charset="0"/>
+              <a:cs typeface="Times New Roman" panose="02020603050405020304" pitchFamily="18" charset="0"/>
+            </a:endParaRPr>
+          </a:p>
+        </p:txBody>
+      </p:sp>
+    </p:spTree>
+    <p:extLst>
+      <p:ext uri="{BB962C8B-B14F-4D97-AF65-F5344CB8AC3E}">
+        <p14:creationId xmlns:p14="http://schemas.microsoft.com/office/powerpoint/2010/main" val="1501664297"/>
+      </p:ext>
+    </p:extLst>
+  </p:cSld>
+  <p:clrMapOvr>
+    <a:masterClrMapping/>
+  </p:clrMapOvr>
+</p:sld>
+</file>
+
+<file path=ppt/slides/slide23.xml><?xml version="1.0" encoding="utf-8"?>
+<p:sld xmlns:a="http://schemas.openxmlformats.org/drawingml/2006/main" xmlns:r="http://schemas.openxmlformats.org/officeDocument/2006/relationships" xmlns:p="http://schemas.openxmlformats.org/presentationml/2006/main">
+  <p:cSld>
+    <p:spTree>
+      <p:nvGrpSpPr>
+        <p:cNvPr id="1" name="Shape 113"/>
+        <p:cNvGrpSpPr/>
+        <p:nvPr/>
+      </p:nvGrpSpPr>
+      <p:grpSpPr>
+        <a:xfrm>
+          <a:off x="0" y="0"/>
+          <a:ext cx="0" cy="0"/>
+          <a:chOff x="0" y="0"/>
+          <a:chExt cx="0" cy="0"/>
+        </a:xfrm>
+      </p:grpSpPr>
+      <p:sp>
+        <p:nvSpPr>
+          <p:cNvPr id="114" name="Google Shape;114;p14"/>
+          <p:cNvSpPr txBox="1">
+            <a:spLocks noGrp="1"/>
+          </p:cNvSpPr>
+          <p:nvPr>
+            <p:ph type="title"/>
+          </p:nvPr>
+        </p:nvSpPr>
+        <p:spPr>
+          <a:xfrm>
+            <a:off x="159306" y="827041"/>
+            <a:ext cx="2845151" cy="717013"/>
+          </a:xfrm>
+          <a:prstGeom prst="rect">
+            <a:avLst/>
+          </a:prstGeom>
+          <a:noFill/>
+          <a:ln>
+            <a:noFill/>
+          </a:ln>
+        </p:spPr>
+        <p:txBody>
+          <a:bodyPr spcFirstLastPara="1" wrap="square" lIns="91425" tIns="45700" rIns="91425" bIns="91425" anchor="b" anchorCtr="0">
+            <a:normAutofit fontScale="90000"/>
+          </a:bodyPr>
+          <a:lstStyle/>
+          <a:p>
+            <a:pPr marL="0" lvl="0" indent="0" algn="l" rtl="0">
+              <a:spcBef>
+                <a:spcPts val="0"/>
+              </a:spcBef>
+              <a:spcAft>
+                <a:spcPts val="0"/>
+              </a:spcAft>
+              <a:buClr>
+                <a:schemeClr val="dk2"/>
+              </a:buClr>
+              <a:buSzPts val="4000"/>
+              <a:buFont typeface="Libre Franklin"/>
+              <a:buNone/>
+            </a:pPr>
+            <a:r>
+              <a:rPr lang="es-PY" dirty="0">
+                <a:latin typeface="Times New Roman" panose="02020603050405020304" pitchFamily="18" charset="0"/>
+                <a:cs typeface="Times New Roman" panose="02020603050405020304" pitchFamily="18" charset="0"/>
+              </a:rPr>
+              <a:t>Ejemplo 2.3.1</a:t>
+            </a:r>
+            <a:endParaRPr dirty="0">
+              <a:latin typeface="Times New Roman" panose="02020603050405020304" pitchFamily="18" charset="0"/>
+              <a:cs typeface="Times New Roman" panose="02020603050405020304" pitchFamily="18" charset="0"/>
+            </a:endParaRPr>
+          </a:p>
+        </p:txBody>
+      </p:sp>
+      <p:sp>
+        <p:nvSpPr>
+          <p:cNvPr id="116" name="Google Shape;116;p14"/>
+          <p:cNvSpPr txBox="1"/>
+          <p:nvPr/>
+        </p:nvSpPr>
+        <p:spPr>
+          <a:xfrm>
+            <a:off x="6584576" y="1088566"/>
+            <a:ext cx="2559424" cy="369291"/>
+          </a:xfrm>
+          <a:prstGeom prst="rect">
+            <a:avLst/>
+          </a:prstGeom>
+          <a:noFill/>
+          <a:ln>
+            <a:noFill/>
+          </a:ln>
+        </p:spPr>
+        <p:txBody>
+          <a:bodyPr spcFirstLastPara="1" wrap="square" lIns="91425" tIns="45700" rIns="91425" bIns="45700" anchor="t" anchorCtr="0">
+            <a:spAutoFit/>
+          </a:bodyPr>
+          <a:lstStyle/>
+          <a:p>
+            <a:pPr marL="0" marR="0" lvl="0" indent="0" algn="l" rtl="0">
+              <a:spcBef>
+                <a:spcPts val="0"/>
+              </a:spcBef>
+              <a:spcAft>
+                <a:spcPts val="0"/>
+              </a:spcAft>
+              <a:buNone/>
+            </a:pPr>
+            <a:r>
+              <a:rPr lang="es-PY" sz="1800" dirty="0">
+                <a:solidFill>
+                  <a:schemeClr val="dk1"/>
+                </a:solidFill>
+                <a:latin typeface="Times New Roman" panose="02020603050405020304" pitchFamily="18" charset="0"/>
+                <a:ea typeface="Libre Baskerville"/>
+                <a:cs typeface="Times New Roman" panose="02020603050405020304" pitchFamily="18" charset="0"/>
+                <a:sym typeface="Libre Baskerville"/>
+              </a:rPr>
+              <a:t>Página 110 </a:t>
+            </a:r>
+            <a:r>
+              <a:rPr lang="es-PY" sz="1800" b="1" dirty="0">
+                <a:solidFill>
+                  <a:schemeClr val="dk1"/>
+                </a:solidFill>
+                <a:latin typeface="Times New Roman" panose="02020603050405020304" pitchFamily="18" charset="0"/>
+                <a:ea typeface="Libre Baskerville"/>
+                <a:cs typeface="Times New Roman" panose="02020603050405020304" pitchFamily="18" charset="0"/>
+                <a:sym typeface="Libre Baskerville"/>
+              </a:rPr>
+              <a:t>[Poole,2003]</a:t>
+            </a:r>
+            <a:endParaRPr dirty="0">
+              <a:latin typeface="Times New Roman" panose="02020603050405020304" pitchFamily="18" charset="0"/>
+              <a:cs typeface="Times New Roman" panose="02020603050405020304" pitchFamily="18" charset="0"/>
+            </a:endParaRPr>
+          </a:p>
+        </p:txBody>
+      </p:sp>
+      <p:pic>
+        <p:nvPicPr>
+          <p:cNvPr id="1026" name="Picture 2">
+            <a:extLst>
+              <a:ext uri="{FF2B5EF4-FFF2-40B4-BE49-F238E27FC236}">
+                <a16:creationId xmlns:a16="http://schemas.microsoft.com/office/drawing/2014/main" id="{FE5FFA98-9EC1-7BB3-72A4-57F19EC2AF6F}"/>
+              </a:ext>
+            </a:extLst>
+          </p:cNvPr>
+          <p:cNvPicPr>
+            <a:picLocks noChangeAspect="1" noChangeArrowheads="1"/>
+          </p:cNvPicPr>
+          <p:nvPr/>
+        </p:nvPicPr>
+        <p:blipFill>
+          <a:blip r:embed="rId3">
+            <a:extLst>
+              <a:ext uri="{28A0092B-C50C-407E-A947-70E740481C1C}">
+                <a14:useLocalDpi xmlns:a14="http://schemas.microsoft.com/office/drawing/2010/main" val="0"/>
+              </a:ext>
+            </a:extLst>
+          </a:blip>
+          <a:srcRect/>
+          <a:stretch>
+            <a:fillRect/>
+          </a:stretch>
+        </p:blipFill>
+        <p:spPr bwMode="auto">
+          <a:xfrm>
+            <a:off x="5604329" y="2109439"/>
+            <a:ext cx="3539671" cy="4618839"/>
+          </a:xfrm>
+          <a:prstGeom prst="rect">
+            <a:avLst/>
+          </a:prstGeom>
+          <a:noFill/>
+          <a:extLst>
+            <a:ext uri="{909E8E84-426E-40DD-AFC4-6F175D3DCCD1}">
+              <a14:hiddenFill xmlns:a14="http://schemas.microsoft.com/office/drawing/2010/main">
+                <a:solidFill>
+                  <a:srgbClr val="FFFFFF"/>
+                </a:solidFill>
+              </a14:hiddenFill>
+            </a:ext>
+          </a:extLst>
+        </p:spPr>
+      </p:pic>
+      <p:pic>
+        <p:nvPicPr>
+          <p:cNvPr id="6" name="Imagen 5">
+            <a:extLst>
+              <a:ext uri="{FF2B5EF4-FFF2-40B4-BE49-F238E27FC236}">
+                <a16:creationId xmlns:a16="http://schemas.microsoft.com/office/drawing/2014/main" id="{0456CE73-687E-FE70-CBC0-E9A487974347}"/>
+              </a:ext>
+            </a:extLst>
+          </p:cNvPr>
+          <p:cNvPicPr>
+            <a:picLocks noChangeAspect="1"/>
+          </p:cNvPicPr>
+          <p:nvPr/>
+        </p:nvPicPr>
+        <p:blipFill rotWithShape="1">
+          <a:blip r:embed="rId4"/>
+          <a:srcRect l="5322" t="8007" b="13862"/>
+          <a:stretch/>
+        </p:blipFill>
+        <p:spPr>
+          <a:xfrm>
+            <a:off x="315685" y="5116558"/>
+            <a:ext cx="4621123" cy="914401"/>
+          </a:xfrm>
+          <a:prstGeom prst="rect">
+            <a:avLst/>
+          </a:prstGeom>
+        </p:spPr>
+      </p:pic>
+      <p:pic>
+        <p:nvPicPr>
+          <p:cNvPr id="8" name="Imagen 7">
+            <a:extLst>
+              <a:ext uri="{FF2B5EF4-FFF2-40B4-BE49-F238E27FC236}">
+                <a16:creationId xmlns:a16="http://schemas.microsoft.com/office/drawing/2014/main" id="{362F6B9A-4EBB-408E-EA2A-FB8F8939CA1B}"/>
+              </a:ext>
+            </a:extLst>
+          </p:cNvPr>
+          <p:cNvPicPr>
+            <a:picLocks noChangeAspect="1"/>
+          </p:cNvPicPr>
+          <p:nvPr/>
+        </p:nvPicPr>
+        <p:blipFill>
+          <a:blip r:embed="rId5"/>
+          <a:stretch>
+            <a:fillRect/>
+          </a:stretch>
+        </p:blipFill>
+        <p:spPr>
+          <a:xfrm>
+            <a:off x="315685" y="1544053"/>
+            <a:ext cx="7772400" cy="696843"/>
+          </a:xfrm>
+          <a:prstGeom prst="rect">
+            <a:avLst/>
+          </a:prstGeom>
+        </p:spPr>
+      </p:pic>
+      <p:pic>
+        <p:nvPicPr>
+          <p:cNvPr id="10" name="Imagen 9">
+            <a:extLst>
+              <a:ext uri="{FF2B5EF4-FFF2-40B4-BE49-F238E27FC236}">
+                <a16:creationId xmlns:a16="http://schemas.microsoft.com/office/drawing/2014/main" id="{0870D74C-56DE-0210-B2FC-B65CE58804FF}"/>
+              </a:ext>
+            </a:extLst>
+          </p:cNvPr>
+          <p:cNvPicPr>
+            <a:picLocks noChangeAspect="1"/>
+          </p:cNvPicPr>
+          <p:nvPr/>
+        </p:nvPicPr>
+        <p:blipFill>
+          <a:blip r:embed="rId6"/>
+          <a:stretch>
+            <a:fillRect/>
+          </a:stretch>
+        </p:blipFill>
+        <p:spPr>
+          <a:xfrm>
+            <a:off x="252185" y="2655331"/>
+            <a:ext cx="4936808" cy="659086"/>
+          </a:xfrm>
+          <a:prstGeom prst="rect">
+            <a:avLst/>
+          </a:prstGeom>
+        </p:spPr>
+      </p:pic>
+    </p:spTree>
+    <p:extLst>
+      <p:ext uri="{BB962C8B-B14F-4D97-AF65-F5344CB8AC3E}">
+        <p14:creationId xmlns:p14="http://schemas.microsoft.com/office/powerpoint/2010/main" val="4054599418"/>
+      </p:ext>
+    </p:extLst>
+  </p:cSld>
+  <p:clrMapOvr>
+    <a:masterClrMapping/>
+  </p:clrMapOvr>
+</p:sld>
+</file>
+
+<file path=ppt/slides/slide24.xml><?xml version="1.0" encoding="utf-8"?>
+<p:sld xmlns:a="http://schemas.openxmlformats.org/drawingml/2006/main" xmlns:r="http://schemas.openxmlformats.org/officeDocument/2006/relationships" xmlns:p="http://schemas.openxmlformats.org/presentationml/2006/main">
+  <p:cSld>
+    <p:spTree>
+      <p:nvGrpSpPr>
+        <p:cNvPr id="1" name="Shape 258"/>
+        <p:cNvGrpSpPr/>
+        <p:nvPr/>
+      </p:nvGrpSpPr>
+      <p:grpSpPr>
+        <a:xfrm>
+          <a:off x="0" y="0"/>
+          <a:ext cx="0" cy="0"/>
+          <a:chOff x="0" y="0"/>
+          <a:chExt cx="0" cy="0"/>
+        </a:xfrm>
+      </p:grpSpPr>
+      <p:sp>
+        <p:nvSpPr>
+          <p:cNvPr id="259" name="Google Shape;259;p20"/>
+          <p:cNvSpPr txBox="1"/>
+          <p:nvPr/>
+        </p:nvSpPr>
+        <p:spPr>
+          <a:xfrm>
+            <a:off x="313780" y="260648"/>
+            <a:ext cx="1084714" cy="369332"/>
+          </a:xfrm>
+          <a:prstGeom prst="rect">
+            <a:avLst/>
+          </a:prstGeom>
+          <a:noFill/>
+          <a:ln>
+            <a:noFill/>
+          </a:ln>
+        </p:spPr>
+        <p:txBody>
+          <a:bodyPr spcFirstLastPara="1" wrap="square" lIns="91425" tIns="45700" rIns="91425" bIns="45700" anchor="t" anchorCtr="0">
+            <a:spAutoFit/>
+          </a:bodyPr>
+          <a:lstStyle/>
+          <a:p>
+            <a:pPr marL="0" marR="0" lvl="0" indent="0" algn="l" rtl="0">
+              <a:spcBef>
+                <a:spcPts val="0"/>
+              </a:spcBef>
+              <a:spcAft>
+                <a:spcPts val="0"/>
+              </a:spcAft>
+              <a:buNone/>
+            </a:pPr>
+            <a:r>
+              <a:rPr lang="es-PY" sz="1800" dirty="0">
+                <a:solidFill>
+                  <a:schemeClr val="dk1"/>
+                </a:solidFill>
+                <a:latin typeface="Times New Roman" panose="02020603050405020304" pitchFamily="18" charset="0"/>
+                <a:ea typeface="Libre Baskerville"/>
+                <a:cs typeface="Times New Roman" panose="02020603050405020304" pitchFamily="18" charset="0"/>
+                <a:sym typeface="Libre Baskerville"/>
+              </a:rPr>
+              <a:t>Solución:</a:t>
+            </a:r>
+            <a:endParaRPr dirty="0">
+              <a:latin typeface="Times New Roman" panose="02020603050405020304" pitchFamily="18" charset="0"/>
+              <a:cs typeface="Times New Roman" panose="02020603050405020304" pitchFamily="18" charset="0"/>
+            </a:endParaRPr>
+          </a:p>
+        </p:txBody>
+      </p:sp>
+    </p:spTree>
+    <p:extLst>
+      <p:ext uri="{BB962C8B-B14F-4D97-AF65-F5344CB8AC3E}">
+        <p14:creationId xmlns:p14="http://schemas.microsoft.com/office/powerpoint/2010/main" val="1736001793"/>
+      </p:ext>
+    </p:extLst>
+  </p:cSld>
+  <p:clrMapOvr>
+    <a:masterClrMapping/>
+  </p:clrMapOvr>
+</p:sld>
+</file>
+
+<file path=ppt/slides/slide25.xml><?xml version="1.0" encoding="utf-8"?>
+<p:sld xmlns:a="http://schemas.openxmlformats.org/drawingml/2006/main" xmlns:r="http://schemas.openxmlformats.org/officeDocument/2006/relationships" xmlns:p="http://schemas.openxmlformats.org/presentationml/2006/main">
+  <p:cSld>
+    <p:spTree>
+      <p:nvGrpSpPr>
         <p:cNvPr id="1" name="Shape 283"/>
         <p:cNvGrpSpPr/>
         <p:nvPr/>
